--- a/docs/thesis/ZeroShot_NLQL_RolandoSánchezRamos_C411.pptx
+++ b/docs/thesis/ZeroShot_NLQL_RolandoSánchezRamos_C411.pptx
@@ -9493,14 +9493,19 @@
         <p:spPr/>
         <p:txBody>
           <a:bodyPr>
-            <a:normAutofit fontScale="90000"/>
+            <a:normAutofit/>
           </a:bodyPr>
           <a:lstStyle/>
           <a:p>
             <a:r>
               <a:rPr lang="es-ES" dirty="0"/>
-              <a:t>Vía 5: Diseñar un AST del lenguaje en un lenguaje como Python que exprese al lenguaje de consulta objetivo.</a:t>
-            </a:r>
+              <a:t>Vía 5</a:t>
+            </a:r>
+            <a:r>
+              <a:rPr lang="es-ES"/>
+              <a:t>: Diseñar un AST del lenguaje objetivo en un lenguaje como Python.</a:t>
+            </a:r>
+            <a:endParaRPr lang="es-ES" dirty="0"/>
           </a:p>
         </p:txBody>
       </p:sp>
